--- a/PythonBootCamp/SlideShow/Section03-PythonObjectandDataStructureBasics/26. Sets In Python.pptx
+++ b/PythonBootCamp/SlideShow/Section03-PythonObjectandDataStructureBasics/26. Sets In Python.pptx
@@ -594,7 +594,7 @@
         </p:nvSpPr>
         <p:spPr>
           <a:xfrm>
-            <a:off x="381300" y="685800"/>
+            <a:off x="381000" y="685800"/>
             <a:ext cx="6096000" cy="3429000"/>
           </a:xfrm>
           <a:custGeom>
@@ -4549,7 +4549,7 @@
               <a:buNone/>
             </a:pPr>
             <a:r>
-              <a:rPr lang="en" sz="3867" b="1">
+              <a:rPr lang="en" sz="3867" b="1" dirty="0">
                 <a:solidFill>
                   <a:srgbClr val="434343"/>
                 </a:solidFill>
@@ -4561,7 +4561,7 @@
               <a:t>Sets </a:t>
             </a:r>
             <a:r>
-              <a:rPr lang="en" sz="3867">
+              <a:rPr lang="en" sz="3867" dirty="0">
                 <a:solidFill>
                   <a:srgbClr val="434343"/>
                 </a:solidFill>
@@ -4573,7 +4573,7 @@
               <a:t>are unordered collections of </a:t>
             </a:r>
             <a:r>
-              <a:rPr lang="en" sz="3867" b="1">
+              <a:rPr lang="en" sz="3867" b="1" dirty="0">
                 <a:solidFill>
                   <a:srgbClr val="434343"/>
                 </a:solidFill>
@@ -4585,7 +4585,7 @@
               <a:t>unique </a:t>
             </a:r>
             <a:r>
-              <a:rPr lang="en" sz="3867">
+              <a:rPr lang="en" sz="3867" dirty="0">
                 <a:solidFill>
                   <a:srgbClr val="434343"/>
                 </a:solidFill>
@@ -4596,7 +4596,7 @@
               </a:rPr>
               <a:t>elements.</a:t>
             </a:r>
-            <a:endParaRPr sz="3867">
+            <a:endParaRPr sz="3867" dirty="0">
               <a:solidFill>
                 <a:srgbClr val="434343"/>
               </a:solidFill>
@@ -4617,7 +4617,7 @@
               <a:buNone/>
             </a:pPr>
             <a:r>
-              <a:rPr lang="en" sz="3867">
+              <a:rPr lang="en" sz="3867" dirty="0">
                 <a:solidFill>
                   <a:srgbClr val="434343"/>
                 </a:solidFill>
@@ -4626,9 +4626,33 @@
                 <a:cs typeface="Montserrat"/>
                 <a:sym typeface="Montserrat"/>
               </a:rPr>
-              <a:t>Meaning there can only be one representative of the same object.</a:t>
-            </a:r>
-            <a:endParaRPr sz="3867">
+              <a:t>Meaning there can only be one representative of the same object. </a:t>
+            </a:r>
+            <a:r>
+              <a:rPr lang="en-US" sz="3867" dirty="0">
+                <a:solidFill>
+                  <a:srgbClr val="434343"/>
+                </a:solidFill>
+                <a:latin typeface="Montserrat"/>
+                <a:ea typeface="Montserrat"/>
+                <a:cs typeface="Montserrat"/>
+                <a:sym typeface="Montserrat"/>
+              </a:rPr>
+              <a:t>For instance Number-2 one time only or Letter-A one time only.</a:t>
+            </a:r>
+            <a:r>
+              <a:rPr lang="en" sz="3867" dirty="0">
+                <a:solidFill>
+                  <a:srgbClr val="434343"/>
+                </a:solidFill>
+                <a:latin typeface="Montserrat"/>
+                <a:ea typeface="Montserrat"/>
+                <a:cs typeface="Montserrat"/>
+                <a:sym typeface="Montserrat"/>
+              </a:rPr>
+              <a:t> </a:t>
+            </a:r>
+            <a:endParaRPr sz="3867" dirty="0">
               <a:solidFill>
                 <a:srgbClr val="434343"/>
               </a:solidFill>
@@ -4649,7 +4673,7 @@
               <a:buNone/>
             </a:pPr>
             <a:r>
-              <a:rPr lang="en" sz="3867">
+              <a:rPr lang="en" sz="3867" dirty="0">
                 <a:solidFill>
                   <a:srgbClr val="434343"/>
                 </a:solidFill>
@@ -4660,7 +4684,7 @@
               </a:rPr>
               <a:t>Let’s see some examples!</a:t>
             </a:r>
-            <a:endParaRPr sz="3867">
+            <a:endParaRPr sz="3867" dirty="0">
               <a:solidFill>
                 <a:srgbClr val="434343"/>
               </a:solidFill>
@@ -4680,7 +4704,7 @@
               </a:spcBef>
               <a:buNone/>
             </a:pPr>
-            <a:endParaRPr sz="3867">
+            <a:endParaRPr sz="3867" dirty="0">
               <a:solidFill>
                 <a:srgbClr val="434343"/>
               </a:solidFill>
@@ -4700,7 +4724,7 @@
               </a:spcBef>
               <a:buNone/>
             </a:pPr>
-            <a:endParaRPr sz="3867">
+            <a:endParaRPr sz="3867" dirty="0">
               <a:solidFill>
                 <a:srgbClr val="434343"/>
               </a:solidFill>
@@ -4723,7 +4747,7 @@
               </a:spcAft>
               <a:buNone/>
             </a:pPr>
-            <a:endParaRPr sz="3867">
+            <a:endParaRPr sz="3867" dirty="0">
               <a:solidFill>
                 <a:srgbClr val="434343"/>
               </a:solidFill>
@@ -4953,37 +4977,7 @@
                 <a:cs typeface="Montserrat"/>
                 <a:sym typeface="Montserrat"/>
               </a:rPr>
-              <a:t>[SEE VIDEO FOR SETS </a:t>
-            </a:r>
-            <a:r>
-              <a:rPr lang="en-US" sz="2400" b="1" i="1">
-                <a:solidFill>
-                  <a:srgbClr val="0070C0"/>
-                </a:solidFill>
-                <a:highlight>
-                  <a:srgbClr val="FFFF00"/>
-                </a:highlight>
-                <a:latin typeface="Montserrat"/>
-                <a:ea typeface="Montserrat"/>
-                <a:cs typeface="Montserrat"/>
-                <a:sym typeface="Montserrat"/>
-              </a:rPr>
-              <a:t>EXAMPLE IN </a:t>
-            </a:r>
-            <a:r>
-              <a:rPr lang="en-US" sz="2400" b="1" i="1" dirty="0">
-                <a:solidFill>
-                  <a:srgbClr val="0070C0"/>
-                </a:solidFill>
-                <a:highlight>
-                  <a:srgbClr val="FFFF00"/>
-                </a:highlight>
-                <a:latin typeface="Montserrat"/>
-                <a:ea typeface="Montserrat"/>
-                <a:cs typeface="Montserrat"/>
-                <a:sym typeface="Montserrat"/>
-              </a:rPr>
-              <a:t>JUPYTER]</a:t>
+              <a:t>[SEE VIDEO FOR SETS EXAMPLE IN JUPYTER]</a:t>
             </a:r>
           </a:p>
         </p:txBody>
